--- a/docks/def.pptx
+++ b/docks/def.pptx
@@ -118,6 +118,11 @@
       </a:defRPr>
     </a:lvl9pPr>
   </p:defaultTextStyle>
+  <p:extLst>
+    <p:ext uri="{EFAFB233-063F-42B5-8137-9DF3F51BA10A}">
+      <p15:sldGuideLst xmlns:p15="http://schemas.microsoft.com/office/powerpoint/2012/main"/>
+    </p:ext>
+  </p:extLst>
 </p:presentation>
 </file>
 
@@ -4257,7 +4262,7 @@
         </p:blipFill>
         <p:spPr bwMode="auto">
           <a:xfrm>
-            <a:off x="2628399" y="1690688"/>
+            <a:off x="838200" y="1556465"/>
             <a:ext cx="6708106" cy="4472071"/>
           </a:xfrm>
           <a:prstGeom prst="rect">
@@ -4301,6 +4306,156 @@
               <a:t>2</a:t>
             </a:fld>
             <a:endParaRPr lang="ru-RU"/>
+          </a:p>
+        </p:txBody>
+      </p:sp>
+      <p:sp>
+        <p:nvSpPr>
+          <p:cNvPr id="3" name="TextBox 2">
+            <a:extLst>
+              <a:ext uri="{FF2B5EF4-FFF2-40B4-BE49-F238E27FC236}">
+                <a16:creationId xmlns:a16="http://schemas.microsoft.com/office/drawing/2014/main" id="{87FC35C9-DD9A-4ACE-ACB0-27788FB0CDD8}"/>
+              </a:ext>
+            </a:extLst>
+          </p:cNvPr>
+          <p:cNvSpPr txBox="1"/>
+          <p:nvPr/>
+        </p:nvSpPr>
+        <p:spPr>
+          <a:xfrm>
+            <a:off x="7877263" y="1560966"/>
+            <a:ext cx="3154260" cy="3156826"/>
+          </a:xfrm>
+          <a:prstGeom prst="rect">
+            <a:avLst/>
+          </a:prstGeom>
+          <a:noFill/>
+        </p:spPr>
+        <p:txBody>
+          <a:bodyPr wrap="square" rtlCol="0">
+            <a:spAutoFit/>
+          </a:bodyPr>
+          <a:lstStyle/>
+          <a:p>
+            <a:pPr marL="285750" indent="-285750" algn="just">
+              <a:lnSpc>
+                <a:spcPct val="107000"/>
+              </a:lnSpc>
+              <a:spcAft>
+                <a:spcPts val="800"/>
+              </a:spcAft>
+              <a:buFont typeface="Arial" panose="020B0604020202020204" pitchFamily="34" charset="0"/>
+              <a:buChar char="•"/>
+            </a:pPr>
+            <a:r>
+              <a:rPr lang="ru-RU" sz="1800" dirty="0">
+                <a:effectLst/>
+                <a:latin typeface="Calibri" panose="020F0502020204030204" pitchFamily="34" charset="0"/>
+                <a:ea typeface="Calibri" panose="020F0502020204030204" pitchFamily="34" charset="0"/>
+                <a:cs typeface="Times New Roman" panose="02020603050405020304" pitchFamily="18" charset="0"/>
+              </a:rPr>
+              <a:t>Подобрать несколько коррелирующий</a:t>
+            </a:r>
+          </a:p>
+          <a:p>
+            <a:pPr algn="just">
+              <a:lnSpc>
+                <a:spcPct val="107000"/>
+              </a:lnSpc>
+              <a:spcAft>
+                <a:spcPts val="800"/>
+              </a:spcAft>
+            </a:pPr>
+            <a:endParaRPr lang="ru-RU" sz="1800" dirty="0">
+              <a:effectLst/>
+              <a:latin typeface="Calibri" panose="020F0502020204030204" pitchFamily="34" charset="0"/>
+              <a:ea typeface="Calibri" panose="020F0502020204030204" pitchFamily="34" charset="0"/>
+              <a:cs typeface="Times New Roman" panose="02020603050405020304" pitchFamily="18" charset="0"/>
+            </a:endParaRPr>
+          </a:p>
+          <a:p>
+            <a:pPr marL="285750" indent="-285750" algn="just">
+              <a:lnSpc>
+                <a:spcPct val="107000"/>
+              </a:lnSpc>
+              <a:spcAft>
+                <a:spcPts val="800"/>
+              </a:spcAft>
+              <a:buFont typeface="Arial" panose="020B0604020202020204" pitchFamily="34" charset="0"/>
+              <a:buChar char="•"/>
+            </a:pPr>
+            <a:r>
+              <a:rPr lang="ru-RU" dirty="0">
+                <a:latin typeface="Calibri" panose="020F0502020204030204" pitchFamily="34" charset="0"/>
+                <a:ea typeface="Calibri" panose="020F0502020204030204" pitchFamily="34" charset="0"/>
+                <a:cs typeface="Times New Roman" panose="02020603050405020304" pitchFamily="18" charset="0"/>
+              </a:rPr>
+              <a:t>Взять </a:t>
+            </a:r>
+            <a:r>
+              <a:rPr lang="ru-RU" sz="1800" dirty="0">
+                <a:effectLst/>
+                <a:latin typeface="Calibri" panose="020F0502020204030204" pitchFamily="34" charset="0"/>
+                <a:ea typeface="Calibri" panose="020F0502020204030204" pitchFamily="34" charset="0"/>
+                <a:cs typeface="Times New Roman" panose="02020603050405020304" pitchFamily="18" charset="0"/>
+              </a:rPr>
+              <a:t>компаний из одной отрасли</a:t>
+            </a:r>
+            <a:endParaRPr lang="ru-RU" dirty="0">
+              <a:latin typeface="Calibri" panose="020F0502020204030204" pitchFamily="34" charset="0"/>
+              <a:ea typeface="Calibri" panose="020F0502020204030204" pitchFamily="34" charset="0"/>
+              <a:cs typeface="Times New Roman" panose="02020603050405020304" pitchFamily="18" charset="0"/>
+            </a:endParaRPr>
+          </a:p>
+          <a:p>
+            <a:pPr algn="just">
+              <a:lnSpc>
+                <a:spcPct val="107000"/>
+              </a:lnSpc>
+              <a:spcAft>
+                <a:spcPts val="800"/>
+              </a:spcAft>
+            </a:pPr>
+            <a:endParaRPr lang="ru-RU" dirty="0">
+              <a:latin typeface="Calibri" panose="020F0502020204030204" pitchFamily="34" charset="0"/>
+              <a:ea typeface="Calibri" panose="020F0502020204030204" pitchFamily="34" charset="0"/>
+              <a:cs typeface="Times New Roman" panose="02020603050405020304" pitchFamily="18" charset="0"/>
+            </a:endParaRPr>
+          </a:p>
+          <a:p>
+            <a:pPr marL="285750" indent="-285750" algn="just">
+              <a:lnSpc>
+                <a:spcPct val="107000"/>
+              </a:lnSpc>
+              <a:spcAft>
+                <a:spcPts val="800"/>
+              </a:spcAft>
+              <a:buFont typeface="Arial" panose="020B0604020202020204" pitchFamily="34" charset="0"/>
+              <a:buChar char="•"/>
+            </a:pPr>
+            <a:r>
+              <a:rPr lang="ru-RU" sz="1800" dirty="0">
+                <a:effectLst/>
+                <a:latin typeface="Calibri" panose="020F0502020204030204" pitchFamily="34" charset="0"/>
+                <a:ea typeface="Calibri" panose="020F0502020204030204" pitchFamily="34" charset="0"/>
+                <a:cs typeface="Times New Roman" panose="02020603050405020304" pitchFamily="18" charset="0"/>
+              </a:rPr>
+              <a:t>Учесть страны</a:t>
+            </a:r>
+            <a:r>
+              <a:rPr lang="ru-RU" dirty="0">
+                <a:latin typeface="Calibri" panose="020F0502020204030204" pitchFamily="34" charset="0"/>
+                <a:ea typeface="Calibri" panose="020F0502020204030204" pitchFamily="34" charset="0"/>
+                <a:cs typeface="Times New Roman" panose="02020603050405020304" pitchFamily="18" charset="0"/>
+              </a:rPr>
+              <a:t>, их историю на биржевом рынке и прочие факторы</a:t>
+            </a:r>
+            <a:endParaRPr lang="ru-RU" sz="1800" dirty="0">
+              <a:effectLst/>
+              <a:latin typeface="Calibri" panose="020F0502020204030204" pitchFamily="34" charset="0"/>
+              <a:ea typeface="Calibri" panose="020F0502020204030204" pitchFamily="34" charset="0"/>
+              <a:cs typeface="Times New Roman" panose="02020603050405020304" pitchFamily="18" charset="0"/>
+            </a:endParaRPr>
           </a:p>
         </p:txBody>
       </p:sp>
@@ -4441,6 +4596,23 @@
             </a:r>
           </a:p>
           <a:p>
+            <a:endParaRPr lang="en-US" dirty="0"/>
+          </a:p>
+          <a:p>
+            <a:endParaRPr lang="ru-RU" dirty="0"/>
+          </a:p>
+          <a:p>
+            <a:r>
+              <a:rPr lang="ru-RU" dirty="0"/>
+              <a:t>Все данные собраны с сайта </a:t>
+            </a:r>
+            <a:br>
+              <a:rPr lang="en-US" dirty="0"/>
+            </a:br>
+            <a:r>
+              <a:rPr lang="en-US" dirty="0"/>
+              <a:t>investing.com</a:t>
+            </a:r>
             <a:endParaRPr lang="ru-RU" dirty="0"/>
           </a:p>
         </p:txBody>
@@ -5048,7 +5220,7 @@
         </p:nvSpPr>
         <p:spPr>
           <a:xfrm>
-            <a:off x="8197516" y="1690688"/>
+            <a:off x="8197516" y="1554498"/>
             <a:ext cx="3261845" cy="923330"/>
           </a:xfrm>
           <a:prstGeom prst="rect">
